--- a/git/git简介.pptx
+++ b/git/git简介.pptx
@@ -5,7 +5,7 @@
     <p:sldMasterId id="2147483660" r:id="rId1"/>
   </p:sldMasterIdLst>
   <p:notesMasterIdLst>
-    <p:notesMasterId r:id="rId12"/>
+    <p:notesMasterId r:id="rId11"/>
   </p:notesMasterIdLst>
   <p:sldIdLst>
     <p:sldId id="256" r:id="rId2"/>
@@ -13,11 +13,10 @@
     <p:sldId id="259" r:id="rId4"/>
     <p:sldId id="261" r:id="rId5"/>
     <p:sldId id="265" r:id="rId6"/>
-    <p:sldId id="266" r:id="rId7"/>
-    <p:sldId id="262" r:id="rId8"/>
-    <p:sldId id="263" r:id="rId9"/>
-    <p:sldId id="264" r:id="rId10"/>
-    <p:sldId id="258" r:id="rId11"/>
+    <p:sldId id="262" r:id="rId7"/>
+    <p:sldId id="263" r:id="rId8"/>
+    <p:sldId id="264" r:id="rId9"/>
+    <p:sldId id="258" r:id="rId10"/>
   </p:sldIdLst>
   <p:sldSz cx="9144000" cy="6858000" type="screen4x3"/>
   <p:notesSz cx="6858000" cy="9144000"/>
@@ -116,6 +115,22 @@
       </a:defRPr>
     </a:lvl9pPr>
   </p:defaultTextStyle>
+  <p:extLst>
+    <p:ext uri="{EFAFB233-063F-42B5-8137-9DF3F51BA10A}">
+      <p15:sldGuideLst xmlns:p15="http://schemas.microsoft.com/office/powerpoint/2012/main">
+        <p15:guide id="1" orient="horz" pos="2160">
+          <p15:clr>
+            <a:srgbClr val="A4A3A4"/>
+          </p15:clr>
+        </p15:guide>
+        <p15:guide id="2" pos="2880">
+          <p15:clr>
+            <a:srgbClr val="A4A3A4"/>
+          </p15:clr>
+        </p15:guide>
+      </p15:sldGuideLst>
+    </p:ext>
+  </p:extLst>
 </p:presentation>
 </file>
 
@@ -201,7 +216,7 @@
           <a:p>
             <a:fld id="{B14474D4-5585-EB48-A3BA-F41E43399F25}" type="datetimeFigureOut">
               <a:rPr lang="en-US" smtClean="0"/>
-              <a:t>15/8/20</a:t>
+              <a:t>10/8/15</a:t>
             </a:fld>
             <a:endParaRPr lang="en-US"/>
           </a:p>
@@ -488,6 +503,209 @@
       </p:grpSpPr>
       <p:sp>
         <p:nvSpPr>
+          <p:cNvPr id="2" name="幻灯片图像占位符 1"/>
+          <p:cNvSpPr>
+            <a:spLocks noGrp="1" noRot="1" noChangeAspect="1"/>
+          </p:cNvSpPr>
+          <p:nvPr>
+            <p:ph type="sldImg"/>
+          </p:nvPr>
+        </p:nvSpPr>
+        <p:spPr/>
+      </p:sp>
+      <p:sp>
+        <p:nvSpPr>
+          <p:cNvPr id="3" name="备注占位符 2"/>
+          <p:cNvSpPr>
+            <a:spLocks noGrp="1"/>
+          </p:cNvSpPr>
+          <p:nvPr>
+            <p:ph type="body" idx="1"/>
+          </p:nvPr>
+        </p:nvSpPr>
+        <p:spPr/>
+        <p:txBody>
+          <a:bodyPr/>
+          <a:lstStyle/>
+          <a:p>
+            <a:r>
+              <a:rPr lang="en-US" altLang="zh-CN" sz="1200" b="0" i="0" kern="1200" dirty="0" err="1" smtClean="0">
+                <a:solidFill>
+                  <a:schemeClr val="tx1"/>
+                </a:solidFill>
+                <a:effectLst/>
+                <a:latin typeface="+mn-lt"/>
+                <a:ea typeface="+mn-ea"/>
+                <a:cs typeface="+mn-cs"/>
+              </a:rPr>
+              <a:t>git</a:t>
+            </a:r>
+            <a:r>
+              <a:rPr lang="en-US" altLang="zh-CN" sz="1200" b="0" i="0" kern="1200" dirty="0" smtClean="0">
+                <a:solidFill>
+                  <a:schemeClr val="tx1"/>
+                </a:solidFill>
+                <a:effectLst/>
+                <a:latin typeface="+mn-lt"/>
+                <a:ea typeface="+mn-ea"/>
+                <a:cs typeface="+mn-cs"/>
+              </a:rPr>
+              <a:t> fetch</a:t>
+            </a:r>
+            <a:r>
+              <a:rPr lang="zh-CN" altLang="en-US" sz="1200" b="0" i="0" kern="1200" dirty="0" smtClean="0">
+                <a:solidFill>
+                  <a:schemeClr val="tx1"/>
+                </a:solidFill>
+                <a:effectLst/>
+                <a:latin typeface="+mn-lt"/>
+                <a:ea typeface="+mn-ea"/>
+                <a:cs typeface="+mn-cs"/>
+              </a:rPr>
+              <a:t>：相当于是从远程获取最新版本到本地，不会自动</a:t>
+            </a:r>
+            <a:r>
+              <a:rPr lang="en-US" altLang="zh-CN" sz="1200" b="0" i="0" kern="1200" dirty="0" smtClean="0">
+                <a:solidFill>
+                  <a:schemeClr val="tx1"/>
+                </a:solidFill>
+                <a:effectLst/>
+                <a:latin typeface="+mn-lt"/>
+                <a:ea typeface="+mn-ea"/>
+                <a:cs typeface="+mn-cs"/>
+              </a:rPr>
+              <a:t>merge</a:t>
+            </a:r>
+            <a:endParaRPr lang="zh-CN" altLang="en-US" sz="1200" b="0" i="0" kern="1200" dirty="0" smtClean="0">
+              <a:solidFill>
+                <a:schemeClr val="tx1"/>
+              </a:solidFill>
+              <a:effectLst/>
+              <a:latin typeface="+mn-lt"/>
+              <a:ea typeface="+mn-ea"/>
+              <a:cs typeface="+mn-cs"/>
+            </a:endParaRPr>
+          </a:p>
+          <a:p>
+            <a:r>
+              <a:rPr lang="en-US" altLang="zh-CN" sz="1200" b="0" i="0" kern="1200" dirty="0" err="1" smtClean="0">
+                <a:solidFill>
+                  <a:schemeClr val="tx1"/>
+                </a:solidFill>
+                <a:effectLst/>
+                <a:latin typeface="+mn-lt"/>
+                <a:ea typeface="+mn-ea"/>
+                <a:cs typeface="+mn-cs"/>
+              </a:rPr>
+              <a:t>git</a:t>
+            </a:r>
+            <a:r>
+              <a:rPr lang="en-US" altLang="zh-CN" sz="1200" b="0" i="0" kern="1200" dirty="0" smtClean="0">
+                <a:solidFill>
+                  <a:schemeClr val="tx1"/>
+                </a:solidFill>
+                <a:effectLst/>
+                <a:latin typeface="+mn-lt"/>
+                <a:ea typeface="+mn-ea"/>
+                <a:cs typeface="+mn-cs"/>
+              </a:rPr>
+              <a:t> pull</a:t>
+            </a:r>
+            <a:r>
+              <a:rPr lang="zh-CN" altLang="en-US" sz="1200" b="0" i="0" kern="1200" dirty="0" smtClean="0">
+                <a:solidFill>
+                  <a:schemeClr val="tx1"/>
+                </a:solidFill>
+                <a:effectLst/>
+                <a:latin typeface="+mn-lt"/>
+                <a:ea typeface="+mn-ea"/>
+                <a:cs typeface="+mn-cs"/>
+              </a:rPr>
+              <a:t>：相当于是从远程获取最新版本并</a:t>
+            </a:r>
+            <a:r>
+              <a:rPr lang="en-US" altLang="zh-CN" sz="1200" b="0" i="0" kern="1200" dirty="0" smtClean="0">
+                <a:solidFill>
+                  <a:schemeClr val="tx1"/>
+                </a:solidFill>
+                <a:effectLst/>
+                <a:latin typeface="+mn-lt"/>
+                <a:ea typeface="+mn-ea"/>
+                <a:cs typeface="+mn-cs"/>
+              </a:rPr>
+              <a:t>merge</a:t>
+            </a:r>
+            <a:r>
+              <a:rPr lang="zh-CN" altLang="en-US" sz="1200" b="0" i="0" kern="1200" dirty="0" smtClean="0">
+                <a:solidFill>
+                  <a:schemeClr val="tx1"/>
+                </a:solidFill>
+                <a:effectLst/>
+                <a:latin typeface="+mn-lt"/>
+                <a:ea typeface="+mn-ea"/>
+                <a:cs typeface="+mn-cs"/>
+              </a:rPr>
+              <a:t>到本地</a:t>
+            </a:r>
+            <a:endParaRPr kumimoji="1" lang="zh-CN" altLang="en-US" dirty="0"/>
+          </a:p>
+        </p:txBody>
+      </p:sp>
+      <p:sp>
+        <p:nvSpPr>
+          <p:cNvPr id="4" name="幻灯片编号占位符 3"/>
+          <p:cNvSpPr>
+            <a:spLocks noGrp="1"/>
+          </p:cNvSpPr>
+          <p:nvPr>
+            <p:ph type="sldNum" sz="quarter" idx="10"/>
+          </p:nvPr>
+        </p:nvSpPr>
+        <p:spPr/>
+        <p:txBody>
+          <a:bodyPr/>
+          <a:lstStyle/>
+          <a:p>
+            <a:fld id="{64E2DFE9-6FDB-1F4E-B880-1C3998E83D37}" type="slidenum">
+              <a:rPr lang="en-US" smtClean="0"/>
+              <a:t>2</a:t>
+            </a:fld>
+            <a:endParaRPr lang="en-US"/>
+          </a:p>
+        </p:txBody>
+      </p:sp>
+    </p:spTree>
+    <p:extLst>
+      <p:ext uri="{BB962C8B-B14F-4D97-AF65-F5344CB8AC3E}">
+        <p14:creationId xmlns:p14="http://schemas.microsoft.com/office/powerpoint/2010/main" val="156353288"/>
+      </p:ext>
+    </p:extLst>
+  </p:cSld>
+  <p:clrMapOvr>
+    <a:masterClrMapping/>
+  </p:clrMapOvr>
+</p:notes>
+</file>
+
+<file path=ppt/notesSlides/notesSlide2.xml><?xml version="1.0" encoding="utf-8"?>
+<p:notes xmlns:a="http://schemas.openxmlformats.org/drawingml/2006/main" xmlns:r="http://schemas.openxmlformats.org/officeDocument/2006/relationships" xmlns:p="http://schemas.openxmlformats.org/presentationml/2006/main">
+  <p:cSld>
+    <p:spTree>
+      <p:nvGrpSpPr>
+        <p:cNvPr id="1" name=""/>
+        <p:cNvGrpSpPr/>
+        <p:nvPr/>
+      </p:nvGrpSpPr>
+      <p:grpSpPr>
+        <a:xfrm>
+          <a:off x="0" y="0"/>
+          <a:ext cx="0" cy="0"/>
+          <a:chOff x="0" y="0"/>
+          <a:chExt cx="0" cy="0"/>
+        </a:xfrm>
+      </p:grpSpPr>
+      <p:sp>
+        <p:nvSpPr>
           <p:cNvPr id="2" name="Slide Image Placeholder 1"/>
           <p:cNvSpPr>
             <a:spLocks noGrp="1" noRot="1" noChangeAspect="1"/>
@@ -559,7 +777,7 @@
 </p:notes>
 </file>
 
-<file path=ppt/notesSlides/notesSlide2.xml><?xml version="1.0" encoding="utf-8"?>
+<file path=ppt/notesSlides/notesSlide3.xml><?xml version="1.0" encoding="utf-8"?>
 <p:notes xmlns:a="http://schemas.openxmlformats.org/drawingml/2006/main" xmlns:r="http://schemas.openxmlformats.org/officeDocument/2006/relationships" xmlns:p="http://schemas.openxmlformats.org/presentationml/2006/main">
   <p:cSld>
     <p:spTree>
@@ -864,7 +1082,7 @@
           <a:p>
             <a:fld id="{D79DE430-3741-5E45-B736-8682A183D57A}" type="datetimeFigureOut">
               <a:rPr lang="en-US" smtClean="0"/>
-              <a:t>15/8/20</a:t>
+              <a:t>10/8/15</a:t>
             </a:fld>
             <a:endParaRPr lang="en-US"/>
           </a:p>
@@ -1058,7 +1276,7 @@
           <a:p>
             <a:fld id="{D79DE430-3741-5E45-B736-8682A183D57A}" type="datetimeFigureOut">
               <a:rPr lang="en-US" smtClean="0"/>
-              <a:t>15/8/20</a:t>
+              <a:t>10/8/15</a:t>
             </a:fld>
             <a:endParaRPr lang="en-US"/>
           </a:p>
@@ -1246,7 +1464,7 @@
           <a:p>
             <a:fld id="{D79DE430-3741-5E45-B736-8682A183D57A}" type="datetimeFigureOut">
               <a:rPr lang="en-US" smtClean="0"/>
-              <a:t>15/8/20</a:t>
+              <a:t>10/8/15</a:t>
             </a:fld>
             <a:endParaRPr lang="en-US"/>
           </a:p>
@@ -1475,7 +1693,7 @@
           <a:p>
             <a:fld id="{D79DE430-3741-5E45-B736-8682A183D57A}" type="datetimeFigureOut">
               <a:rPr lang="en-US" smtClean="0"/>
-              <a:t>15/8/20</a:t>
+              <a:t>10/8/15</a:t>
             </a:fld>
             <a:endParaRPr lang="en-US"/>
           </a:p>
@@ -1756,7 +1974,7 @@
           <a:p>
             <a:fld id="{D79DE430-3741-5E45-B736-8682A183D57A}" type="datetimeFigureOut">
               <a:rPr lang="en-US" smtClean="0"/>
-              <a:t>15/8/20</a:t>
+              <a:t>10/8/15</a:t>
             </a:fld>
             <a:endParaRPr lang="en-US"/>
           </a:p>
@@ -2044,7 +2262,7 @@
           <a:p>
             <a:fld id="{D79DE430-3741-5E45-B736-8682A183D57A}" type="datetimeFigureOut">
               <a:rPr lang="en-US" smtClean="0"/>
-              <a:t>15/8/20</a:t>
+              <a:t>10/8/15</a:t>
             </a:fld>
             <a:endParaRPr lang="en-US"/>
           </a:p>
@@ -2598,7 +2816,7 @@
           <a:p>
             <a:fld id="{D79DE430-3741-5E45-B736-8682A183D57A}" type="datetimeFigureOut">
               <a:rPr lang="en-US" smtClean="0"/>
-              <a:t>15/8/20</a:t>
+              <a:t>10/8/15</a:t>
             </a:fld>
             <a:endParaRPr lang="en-US"/>
           </a:p>
@@ -2729,7 +2947,7 @@
           <a:p>
             <a:fld id="{D79DE430-3741-5E45-B736-8682A183D57A}" type="datetimeFigureOut">
               <a:rPr lang="en-US" smtClean="0"/>
-              <a:t>15/8/20</a:t>
+              <a:t>10/8/15</a:t>
             </a:fld>
             <a:endParaRPr lang="en-US"/>
           </a:p>
@@ -2879,7 +3097,7 @@
           <a:p>
             <a:fld id="{D79DE430-3741-5E45-B736-8682A183D57A}" type="datetimeFigureOut">
               <a:rPr lang="en-US" smtClean="0"/>
-              <a:t>15/8/20</a:t>
+              <a:t>10/8/15</a:t>
             </a:fld>
             <a:endParaRPr lang="en-US"/>
           </a:p>
@@ -3200,7 +3418,7 @@
           <a:p>
             <a:fld id="{D79DE430-3741-5E45-B736-8682A183D57A}" type="datetimeFigureOut">
               <a:rPr lang="en-US" smtClean="0"/>
-              <a:t>15/8/20</a:t>
+              <a:t>10/8/15</a:t>
             </a:fld>
             <a:endParaRPr lang="en-US"/>
           </a:p>
@@ -3497,7 +3715,7 @@
           <a:p>
             <a:fld id="{D79DE430-3741-5E45-B736-8682A183D57A}" type="datetimeFigureOut">
               <a:rPr lang="en-US" smtClean="0"/>
-              <a:t>15/8/20</a:t>
+              <a:t>10/8/15</a:t>
             </a:fld>
             <a:endParaRPr lang="en-US"/>
           </a:p>
@@ -3742,7 +3960,7 @@
           <a:p>
             <a:fld id="{D79DE430-3741-5E45-B736-8682A183D57A}" type="datetimeFigureOut">
               <a:rPr lang="en-US" smtClean="0"/>
-              <a:t>15/8/20</a:t>
+              <a:t>10/8/15</a:t>
             </a:fld>
             <a:endParaRPr lang="en-US"/>
           </a:p>
@@ -4316,140 +4534,7 @@
   <p:timing>
     <p:tnLst>
       <p:par>
-        <p:cTn xmlns:p14="http://schemas.microsoft.com/office/powerpoint/2010/main" id="1" dur="indefinite" restart="never" nodeType="tmRoot"/>
-      </p:par>
-    </p:tnLst>
-  </p:timing>
-</p:sld>
-</file>
-
-<file path=ppt/slides/slide10.xml><?xml version="1.0" encoding="utf-8"?>
-<p:sld xmlns:a="http://schemas.openxmlformats.org/drawingml/2006/main" xmlns:r="http://schemas.openxmlformats.org/officeDocument/2006/relationships" xmlns:p="http://schemas.openxmlformats.org/presentationml/2006/main">
-  <p:cSld>
-    <p:spTree>
-      <p:nvGrpSpPr>
-        <p:cNvPr id="1" name=""/>
-        <p:cNvGrpSpPr/>
-        <p:nvPr/>
-      </p:nvGrpSpPr>
-      <p:grpSpPr>
-        <a:xfrm>
-          <a:off x="0" y="0"/>
-          <a:ext cx="0" cy="0"/>
-          <a:chOff x="0" y="0"/>
-          <a:chExt cx="0" cy="0"/>
-        </a:xfrm>
-      </p:grpSpPr>
-      <p:sp>
-        <p:nvSpPr>
-          <p:cNvPr id="2" name="标题 1"/>
-          <p:cNvSpPr>
-            <a:spLocks noGrp="1"/>
-          </p:cNvSpPr>
-          <p:nvPr>
-            <p:ph type="title"/>
-          </p:nvPr>
-        </p:nvSpPr>
-        <p:spPr/>
-        <p:txBody>
-          <a:bodyPr/>
-          <a:lstStyle/>
-          <a:p>
-            <a:r>
-              <a:rPr lang="en-US" altLang="zh-CN" dirty="0" smtClean="0"/>
-              <a:t>FAQ</a:t>
-            </a:r>
-            <a:endParaRPr lang="zh-CN" altLang="en-US" dirty="0"/>
-          </a:p>
-        </p:txBody>
-      </p:sp>
-      <p:sp>
-        <p:nvSpPr>
-          <p:cNvPr id="3" name="内容占位符 2"/>
-          <p:cNvSpPr>
-            <a:spLocks noGrp="1"/>
-          </p:cNvSpPr>
-          <p:nvPr>
-            <p:ph idx="1"/>
-          </p:nvPr>
-        </p:nvSpPr>
-        <p:spPr/>
-        <p:txBody>
-          <a:bodyPr/>
-          <a:lstStyle/>
-          <a:p>
-            <a:endParaRPr lang="zh-CN" altLang="en-US" dirty="0"/>
-          </a:p>
-        </p:txBody>
-      </p:sp>
-      <p:pic>
-        <p:nvPicPr>
-          <p:cNvPr id="1026" name="Picture 2"/>
-          <p:cNvPicPr>
-            <a:picLocks noChangeAspect="1" noChangeArrowheads="1"/>
-          </p:cNvPicPr>
-          <p:nvPr/>
-        </p:nvPicPr>
-        <p:blipFill>
-          <a:blip r:embed="rId2">
-            <a:extLst>
-              <a:ext uri="{28A0092B-C50C-407E-A947-70E740481C1C}">
-                <a14:useLocalDpi xmlns:a14="http://schemas.microsoft.com/office/drawing/2010/main" val="0"/>
-              </a:ext>
-            </a:extLst>
-          </a:blip>
-          <a:srcRect/>
-          <a:stretch>
-            <a:fillRect/>
-          </a:stretch>
-        </p:blipFill>
-        <p:spPr bwMode="auto">
-          <a:xfrm>
-            <a:off x="828674" y="1665060"/>
-            <a:ext cx="3095253" cy="4276647"/>
-          </a:xfrm>
-          <a:prstGeom prst="rect">
-            <a:avLst/>
-          </a:prstGeom>
-          <a:noFill/>
-          <a:ln>
-            <a:noFill/>
-          </a:ln>
-          <a:extLst>
-            <a:ext uri="{909E8E84-426E-40dd-AFC4-6F175D3DCCD1}">
-              <a14:hiddenFill xmlns:a14="http://schemas.microsoft.com/office/drawing/2010/main">
-                <a:solidFill>
-                  <a:schemeClr val="accent1"/>
-                </a:solidFill>
-              </a14:hiddenFill>
-            </a:ext>
-            <a:ext uri="{91240B29-F687-4f45-9708-019B960494DF}">
-              <a14:hiddenLine xmlns:a14="http://schemas.microsoft.com/office/drawing/2010/main" w="9525">
-                <a:solidFill>
-                  <a:schemeClr val="tx1"/>
-                </a:solidFill>
-                <a:miter lim="800000"/>
-                <a:headEnd/>
-                <a:tailEnd/>
-              </a14:hiddenLine>
-            </a:ext>
-          </a:extLst>
-        </p:spPr>
-      </p:pic>
-    </p:spTree>
-    <p:extLst>
-      <p:ext uri="{BB962C8B-B14F-4D97-AF65-F5344CB8AC3E}">
-        <p14:creationId xmlns:p14="http://schemas.microsoft.com/office/powerpoint/2010/main" val="3110430368"/>
-      </p:ext>
-    </p:extLst>
-  </p:cSld>
-  <p:clrMapOvr>
-    <a:masterClrMapping/>
-  </p:clrMapOvr>
-  <p:timing>
-    <p:tnLst>
-      <p:par>
-        <p:cTn xmlns:p14="http://schemas.microsoft.com/office/powerpoint/2010/main" id="1" dur="indefinite" restart="never" nodeType="tmRoot"/>
+        <p:cTn id="1" dur="indefinite" restart="never" nodeType="tmRoot"/>
       </p:par>
     </p:tnLst>
   </p:timing>
@@ -4519,7 +4604,7 @@
           </p:nvPr>
         </p:nvPicPr>
         <p:blipFill>
-          <a:blip r:embed="rId2"/>
+          <a:blip r:embed="rId3"/>
           <a:srcRect l="-41269" r="-41269"/>
           <a:stretch>
             <a:fillRect/>
@@ -4540,7 +4625,7 @@
   <p:timing>
     <p:tnLst>
       <p:par>
-        <p:cTn xmlns:p14="http://schemas.microsoft.com/office/powerpoint/2010/main" id="1" dur="indefinite" restart="never" nodeType="tmRoot"/>
+        <p:cTn id="1" dur="indefinite" restart="never" nodeType="tmRoot"/>
       </p:par>
     </p:tnLst>
   </p:timing>
@@ -4746,15 +4831,27 @@
               </a:lnSpc>
             </a:pPr>
             <a:r>
-              <a:rPr lang="en-US" altLang="zh-TW" sz="1600" dirty="0" err="1" smtClean="0"/>
+              <a:rPr lang="en-US" altLang="zh-TW" sz="1600" dirty="0" err="1" smtClean="0">
+                <a:solidFill>
+                  <a:srgbClr val="FFFF00"/>
+                </a:solidFill>
+              </a:rPr>
               <a:t>Git</a:t>
             </a:r>
             <a:r>
-              <a:rPr lang="en-US" altLang="zh-TW" sz="1600" dirty="0" smtClean="0"/>
+              <a:rPr lang="en-US" altLang="zh-TW" sz="1600" dirty="0" smtClean="0">
+                <a:solidFill>
+                  <a:srgbClr val="FFFF00"/>
+                </a:solidFill>
+              </a:rPr>
               <a:t> </a:t>
             </a:r>
             <a:r>
-              <a:rPr lang="zh-TW" altLang="en-US" sz="1600" dirty="0"/>
+              <a:rPr lang="zh-TW" altLang="en-US" sz="1600" dirty="0">
+                <a:solidFill>
+                  <a:srgbClr val="FFFF00"/>
+                </a:solidFill>
+              </a:rPr>
               <a:t>分布式的设计理念有助于减少对中心仓库的依赖，从而有效降低中心仓库的负载，改善代码提交的灵活性。</a:t>
             </a:r>
           </a:p>
@@ -4858,7 +4955,7 @@
   <p:timing>
     <p:tnLst>
       <p:par>
-        <p:cTn xmlns:p14="http://schemas.microsoft.com/office/powerpoint/2010/main" id="1" dur="indefinite" restart="never" nodeType="tmRoot"/>
+        <p:cTn id="1" dur="indefinite" restart="never" nodeType="tmRoot"/>
       </p:par>
     </p:tnLst>
   </p:timing>
@@ -5062,7 +5159,19 @@
             </a:r>
             <a:r>
               <a:rPr lang="zh-TW" altLang="en-US" sz="900" dirty="0"/>
-              <a:t>中一点不特别，就是版本库中的另外的一个目录。如果你想知道是否合并了一个分支，你需要手工运行像这样的命令</a:t>
+              <a:t>中一点不特别，就是版本库中的另外的一个目录。如果你</a:t>
+            </a:r>
+            <a:r>
+              <a:rPr lang="zh-TW" altLang="en-US" sz="900" dirty="0">
+                <a:solidFill>
+                  <a:srgbClr val="FFFF00"/>
+                </a:solidFill>
+              </a:rPr>
+              <a:t>想知道是否合并了一个分支</a:t>
+            </a:r>
+            <a:r>
+              <a:rPr lang="zh-TW" altLang="en-US" sz="900" dirty="0"/>
+              <a:t>，你需要手工运行像这样的命令</a:t>
             </a:r>
             <a:r>
               <a:rPr lang="en-US" altLang="zh-TW" sz="900" dirty="0" err="1"/>
@@ -5344,7 +5453,7 @@
   <p:timing>
     <p:tnLst>
       <p:par>
-        <p:cTn xmlns:p14="http://schemas.microsoft.com/office/powerpoint/2010/main" id="1" dur="indefinite" restart="never" nodeType="tmRoot"/>
+        <p:cTn id="1" dur="indefinite" restart="never" nodeType="tmRoot"/>
       </p:par>
     </p:tnLst>
   </p:timing>
@@ -5520,7 +5629,7 @@
   <p:timing>
     <p:tnLst>
       <p:par>
-        <p:cTn xmlns:p14="http://schemas.microsoft.com/office/powerpoint/2010/main" id="1" dur="indefinite" restart="never" nodeType="tmRoot"/>
+        <p:cTn id="1" dur="indefinite" restart="never" nodeType="tmRoot"/>
       </p:par>
     </p:tnLst>
   </p:timing>
@@ -5559,33 +5668,45 @@
           <a:bodyPr/>
           <a:lstStyle/>
           <a:p>
-            <a:endParaRPr lang="en-US"/>
-          </a:p>
-        </p:txBody>
-      </p:sp>
-      <p:sp>
-        <p:nvSpPr>
-          <p:cNvPr id="3" name="Content Placeholder 2"/>
-          <p:cNvSpPr>
-            <a:spLocks noGrp="1"/>
-          </p:cNvSpPr>
+            <a:r>
+              <a:rPr lang="en-US" dirty="0" err="1" smtClean="0"/>
+              <a:t>Git</a:t>
+            </a:r>
+            <a:r>
+              <a:rPr lang="en-US" dirty="0" smtClean="0"/>
+              <a:t> </a:t>
+            </a:r>
+            <a:r>
+              <a:rPr lang="zh-CN" altLang="en-US" dirty="0" smtClean="0"/>
+              <a:t>工具推荐</a:t>
+            </a:r>
+            <a:endParaRPr lang="en-US" dirty="0"/>
+          </a:p>
+        </p:txBody>
+      </p:sp>
+      <p:pic>
+        <p:nvPicPr>
+          <p:cNvPr id="4" name="Content Placeholder 3"/>
+          <p:cNvPicPr>
+            <a:picLocks noGrp="1" noChangeAspect="1"/>
+          </p:cNvPicPr>
           <p:nvPr>
             <p:ph idx="1"/>
           </p:nvPr>
-        </p:nvSpPr>
+        </p:nvPicPr>
+        <p:blipFill>
+          <a:blip r:embed="rId2"/>
+          <a:srcRect t="2733" b="2733"/>
+          <a:stretch>
+            <a:fillRect/>
+          </a:stretch>
+        </p:blipFill>
         <p:spPr/>
-        <p:txBody>
-          <a:bodyPr/>
-          <a:lstStyle/>
-          <a:p>
-            <a:endParaRPr lang="en-US"/>
-          </a:p>
-        </p:txBody>
-      </p:sp>
+      </p:pic>
     </p:spTree>
     <p:extLst>
       <p:ext uri="{BB962C8B-B14F-4D97-AF65-F5344CB8AC3E}">
-        <p14:creationId xmlns:p14="http://schemas.microsoft.com/office/powerpoint/2010/main" val="3568798364"/>
+        <p14:creationId xmlns:p14="http://schemas.microsoft.com/office/powerpoint/2010/main" val="1292200674"/>
       </p:ext>
     </p:extLst>
   </p:cSld>
@@ -5595,7 +5716,7 @@
   <p:timing>
     <p:tnLst>
       <p:par>
-        <p:cTn xmlns:p14="http://schemas.microsoft.com/office/powerpoint/2010/main" id="1" dur="indefinite" restart="never" nodeType="tmRoot"/>
+        <p:cTn id="1" dur="indefinite" restart="never" nodeType="tmRoot"/>
       </p:par>
     </p:tnLst>
   </p:timing>
@@ -5635,44 +5756,285 @@
           <a:lstStyle/>
           <a:p>
             <a:r>
+              <a:rPr lang="zh-CN" altLang="en-US" dirty="0" smtClean="0"/>
+              <a:t>我们的</a:t>
+            </a:r>
+            <a:r>
+              <a:rPr lang="en-US" altLang="zh-CN" dirty="0" err="1" smtClean="0"/>
+              <a:t>Git</a:t>
+            </a:r>
+            <a:r>
+              <a:rPr lang="zh-CN" altLang="en-US" dirty="0" smtClean="0"/>
+              <a:t>使用</a:t>
+            </a:r>
+            <a:endParaRPr lang="en-US" dirty="0"/>
+          </a:p>
+        </p:txBody>
+      </p:sp>
+      <p:sp>
+        <p:nvSpPr>
+          <p:cNvPr id="3" name="Content Placeholder 2"/>
+          <p:cNvSpPr>
+            <a:spLocks noGrp="1"/>
+          </p:cNvSpPr>
+          <p:nvPr>
+            <p:ph idx="1"/>
+          </p:nvPr>
+        </p:nvSpPr>
+        <p:spPr/>
+        <p:txBody>
+          <a:bodyPr>
+            <a:normAutofit fontScale="62500" lnSpcReduction="20000"/>
+          </a:bodyPr>
+          <a:lstStyle/>
+          <a:p>
+            <a:pPr>
+              <a:lnSpc>
+                <a:spcPct val="170000"/>
+              </a:lnSpc>
+            </a:pPr>
+            <a:r>
+              <a:rPr lang="zh-CN" altLang="en-US" dirty="0" smtClean="0"/>
+              <a:t>找</a:t>
+            </a:r>
+            <a:r>
+              <a:rPr lang="en-US" altLang="zh-CN" dirty="0" smtClean="0"/>
+              <a:t> </a:t>
+            </a:r>
+            <a:r>
+              <a:rPr lang="zh-CN" altLang="en-US" dirty="0" smtClean="0"/>
+              <a:t>张晓燃</a:t>
+            </a:r>
+            <a:r>
+              <a:rPr lang="en-US" altLang="zh-CN" dirty="0" smtClean="0"/>
+              <a:t> </a:t>
+            </a:r>
+            <a:r>
+              <a:rPr lang="zh-CN" altLang="en-US" dirty="0" smtClean="0"/>
+              <a:t>开通账号</a:t>
+            </a:r>
+            <a:endParaRPr lang="en-US" dirty="0" smtClean="0"/>
+          </a:p>
+          <a:p>
+            <a:pPr>
+              <a:lnSpc>
+                <a:spcPct val="170000"/>
+              </a:lnSpc>
+            </a:pPr>
+            <a:r>
+              <a:rPr lang="en-US" dirty="0" smtClean="0">
+                <a:hlinkClick r:id="rId2"/>
+              </a:rPr>
+              <a:t>https</a:t>
+            </a:r>
+            <a:r>
+              <a:rPr lang="en-US" dirty="0">
+                <a:hlinkClick r:id="rId2"/>
+              </a:rPr>
+              <a:t>://</a:t>
+            </a:r>
+            <a:r>
+              <a:rPr lang="en-US" dirty="0" smtClean="0">
+                <a:hlinkClick r:id="rId2"/>
+              </a:rPr>
+              <a:t>118.194.63.8</a:t>
+            </a:r>
+            <a:r>
+              <a:rPr lang="en-US" dirty="0" smtClean="0"/>
+              <a:t>   访问</a:t>
+            </a:r>
+            <a:r>
+              <a:rPr lang="en-US" dirty="0"/>
+              <a:t>忽略安全警告 继续访问</a:t>
+            </a:r>
+          </a:p>
+          <a:p>
+            <a:pPr>
+              <a:lnSpc>
+                <a:spcPct val="170000"/>
+              </a:lnSpc>
+            </a:pPr>
+            <a:r>
+              <a:rPr lang="en-US" dirty="0" err="1"/>
+              <a:t>git客户端配置：下载git</a:t>
+            </a:r>
+            <a:r>
+              <a:rPr lang="en-US" dirty="0"/>
+              <a:t> </a:t>
+            </a:r>
+            <a:r>
+              <a:rPr lang="en-US" dirty="0" err="1"/>
+              <a:t>bash软件或者其他git</a:t>
+            </a:r>
+            <a:r>
+              <a:rPr lang="en-US" dirty="0"/>
+              <a:t> 软件</a:t>
+            </a:r>
+          </a:p>
+          <a:p>
+            <a:pPr>
+              <a:lnSpc>
+                <a:spcPct val="170000"/>
+              </a:lnSpc>
+            </a:pPr>
+            <a:r>
+              <a:rPr lang="en-US" dirty="0"/>
+              <a:t>按照网站新建项目后出现的页面中 显示命令 </a:t>
+            </a:r>
+            <a:r>
+              <a:rPr lang="en-US" dirty="0" err="1"/>
+              <a:t>在git客户端一步一步操作</a:t>
+            </a:r>
+            <a:r>
+              <a:rPr lang="en-US" dirty="0"/>
+              <a:t> 提示设置完用户名和密码后 </a:t>
+            </a:r>
+            <a:r>
+              <a:rPr lang="en-US" dirty="0" smtClean="0"/>
+              <a:t>设置</a:t>
+            </a:r>
+            <a:endParaRPr lang="en-US" dirty="0"/>
+          </a:p>
+          <a:p>
+            <a:pPr>
+              <a:lnSpc>
+                <a:spcPct val="170000"/>
+              </a:lnSpc>
+            </a:pPr>
+            <a:r>
+              <a:rPr lang="en-US" dirty="0" err="1">
+                <a:solidFill>
+                  <a:srgbClr val="FFFF00"/>
+                </a:solidFill>
+              </a:rPr>
+              <a:t>git</a:t>
+            </a:r>
+            <a:r>
+              <a:rPr lang="en-US" dirty="0">
+                <a:solidFill>
+                  <a:srgbClr val="FFFF00"/>
+                </a:solidFill>
+              </a:rPr>
+              <a:t> </a:t>
+            </a:r>
+            <a:r>
+              <a:rPr lang="en-US" dirty="0" err="1">
+                <a:solidFill>
+                  <a:srgbClr val="FFFF00"/>
+                </a:solidFill>
+              </a:rPr>
+              <a:t>config</a:t>
+            </a:r>
+            <a:r>
+              <a:rPr lang="en-US" dirty="0">
+                <a:solidFill>
+                  <a:srgbClr val="FFFF00"/>
+                </a:solidFill>
+              </a:rPr>
+              <a:t> --global </a:t>
+            </a:r>
+            <a:r>
+              <a:rPr lang="en-US" dirty="0" err="1">
+                <a:solidFill>
+                  <a:srgbClr val="FFFF00"/>
+                </a:solidFill>
+              </a:rPr>
+              <a:t>http.sslVerify</a:t>
+            </a:r>
+            <a:r>
+              <a:rPr lang="en-US" dirty="0">
+                <a:solidFill>
+                  <a:srgbClr val="FFFF00"/>
+                </a:solidFill>
+              </a:rPr>
+              <a:t> </a:t>
+            </a:r>
+            <a:r>
+              <a:rPr lang="en-US" dirty="0" smtClean="0">
+                <a:solidFill>
+                  <a:srgbClr val="FFFF00"/>
+                </a:solidFill>
+              </a:rPr>
+              <a:t>false</a:t>
+            </a:r>
+            <a:endParaRPr lang="en-US" dirty="0">
+              <a:solidFill>
+                <a:srgbClr val="FFFF00"/>
+              </a:solidFill>
+            </a:endParaRPr>
+          </a:p>
+          <a:p>
+            <a:pPr>
+              <a:lnSpc>
+                <a:spcPct val="170000"/>
+              </a:lnSpc>
+            </a:pPr>
+            <a:r>
+              <a:rPr lang="en-US" dirty="0" err="1"/>
+              <a:t>最后提示中的确认为git</a:t>
+            </a:r>
+            <a:r>
+              <a:rPr lang="en-US" dirty="0"/>
+              <a:t> remote add origin https://118.194.63.8 </a:t>
+            </a:r>
+          </a:p>
+          <a:p>
+            <a:pPr>
+              <a:lnSpc>
+                <a:spcPct val="170000"/>
+              </a:lnSpc>
+            </a:pPr>
+            <a:r>
+              <a:rPr lang="en-US" dirty="0" err="1"/>
+              <a:t>最后push</a:t>
+            </a:r>
+            <a:r>
+              <a:rPr lang="en-US" dirty="0"/>
+              <a:t> </a:t>
+            </a:r>
+            <a:r>
+              <a:rPr lang="en-US" dirty="0" err="1"/>
+              <a:t>或者</a:t>
+            </a:r>
+            <a:r>
               <a:rPr lang="en-US" dirty="0" err="1" smtClean="0"/>
-              <a:t>Git</a:t>
-            </a:r>
-            <a:r>
-              <a:rPr lang="en-US" dirty="0" smtClean="0"/>
-              <a:t> </a:t>
-            </a:r>
-            <a:r>
-              <a:rPr lang="zh-CN" altLang="en-US" dirty="0" smtClean="0"/>
-              <a:t>工具推荐</a:t>
-            </a:r>
+              <a:t>pull</a:t>
+            </a:r>
+            <a:endParaRPr lang="en-US" dirty="0" smtClean="0"/>
+          </a:p>
+          <a:p>
+            <a:pPr>
+              <a:lnSpc>
+                <a:spcPct val="170000"/>
+              </a:lnSpc>
+            </a:pPr>
+            <a:r>
+              <a:rPr lang="en-US" dirty="0"/>
+              <a:t>http://</a:t>
+            </a:r>
+            <a:r>
+              <a:rPr lang="en-US" dirty="0" err="1"/>
+              <a:t>www.cnblogs.com</a:t>
+            </a:r>
+            <a:r>
+              <a:rPr lang="en-US" dirty="0"/>
+              <a:t>/ghj1976/p/4724826.html</a:t>
+            </a:r>
+          </a:p>
+          <a:p>
+            <a:pPr>
+              <a:lnSpc>
+                <a:spcPct val="170000"/>
+              </a:lnSpc>
+            </a:pPr>
             <a:endParaRPr lang="en-US" dirty="0"/>
           </a:p>
         </p:txBody>
       </p:sp>
-      <p:pic>
-        <p:nvPicPr>
-          <p:cNvPr id="4" name="Content Placeholder 3"/>
-          <p:cNvPicPr>
-            <a:picLocks noGrp="1" noChangeAspect="1"/>
-          </p:cNvPicPr>
-          <p:nvPr>
-            <p:ph idx="1"/>
-          </p:nvPr>
-        </p:nvPicPr>
-        <p:blipFill>
-          <a:blip r:embed="rId2"/>
-          <a:srcRect t="2733" b="2733"/>
-          <a:stretch>
-            <a:fillRect/>
-          </a:stretch>
-        </p:blipFill>
-        <p:spPr/>
-      </p:pic>
     </p:spTree>
     <p:extLst>
       <p:ext uri="{BB962C8B-B14F-4D97-AF65-F5344CB8AC3E}">
-        <p14:creationId xmlns:p14="http://schemas.microsoft.com/office/powerpoint/2010/main" val="1292200674"/>
+        <p14:creationId xmlns:p14="http://schemas.microsoft.com/office/powerpoint/2010/main" val="992515377"/>
       </p:ext>
     </p:extLst>
   </p:cSld>
@@ -5682,7 +6044,7 @@
   <p:timing>
     <p:tnLst>
       <p:par>
-        <p:cTn xmlns:p14="http://schemas.microsoft.com/office/powerpoint/2010/main" id="1" dur="indefinite" restart="never" nodeType="tmRoot"/>
+        <p:cTn id="1" dur="indefinite" restart="never" nodeType="tmRoot"/>
       </p:par>
     </p:tnLst>
   </p:timing>
@@ -5722,17 +6084,13 @@
           <a:lstStyle/>
           <a:p>
             <a:r>
-              <a:rPr lang="zh-CN" altLang="en-US" dirty="0" smtClean="0"/>
-              <a:t>我们的</a:t>
+              <a:rPr lang="en-US" altLang="zh-CN" dirty="0" smtClean="0"/>
+              <a:t>SVN  -&gt; </a:t>
             </a:r>
             <a:r>
               <a:rPr lang="en-US" altLang="zh-CN" dirty="0" err="1" smtClean="0"/>
               <a:t>Git</a:t>
             </a:r>
-            <a:r>
-              <a:rPr lang="zh-CN" altLang="en-US" dirty="0" smtClean="0"/>
-              <a:t>使用</a:t>
-            </a:r>
             <a:endParaRPr lang="en-US" dirty="0"/>
           </a:p>
         </p:txBody>
@@ -5749,258 +6107,76 @@
         </p:nvSpPr>
         <p:spPr/>
         <p:txBody>
-          <a:bodyPr>
-            <a:normAutofit fontScale="62500" lnSpcReduction="20000"/>
-          </a:bodyPr>
+          <a:bodyPr/>
           <a:lstStyle/>
           <a:p>
-            <a:pPr>
-              <a:lnSpc>
-                <a:spcPct val="170000"/>
-              </a:lnSpc>
-            </a:pPr>
-            <a:r>
-              <a:rPr lang="zh-CN" altLang="en-US" dirty="0" smtClean="0"/>
-              <a:t>找</a:t>
-            </a:r>
-            <a:r>
-              <a:rPr lang="en-US" altLang="zh-CN" dirty="0" smtClean="0"/>
+            <a:r>
+              <a:rPr lang="en-US" dirty="0"/>
+              <a:t>git svn clone --stdlayout --no-metadata -A users.txt svn://hostname/path dest_dir-tmp</a:t>
+            </a:r>
+          </a:p>
+          <a:p>
+            <a:r>
+              <a:rPr lang="en-US" dirty="0" err="1"/>
+              <a:t>git</a:t>
+            </a:r>
+            <a:r>
+              <a:rPr lang="en-US" dirty="0"/>
               <a:t> </a:t>
             </a:r>
             <a:r>
-              <a:rPr lang="zh-CN" altLang="en-US" dirty="0" smtClean="0"/>
-              <a:t>长研</a:t>
-            </a:r>
-            <a:r>
-              <a:rPr lang="en-US" altLang="zh-CN" dirty="0" smtClean="0"/>
-              <a:t> </a:t>
-            </a:r>
-            <a:r>
-              <a:rPr lang="zh-CN" altLang="en-US" dirty="0" smtClean="0"/>
-              <a:t>胡伟</a:t>
-            </a:r>
-            <a:r>
-              <a:rPr lang="en-US" altLang="zh-CN" dirty="0" smtClean="0"/>
-              <a:t> </a:t>
-            </a:r>
-            <a:r>
-              <a:rPr lang="zh-CN" altLang="en-US" dirty="0" smtClean="0"/>
-              <a:t>开通账号</a:t>
+              <a:rPr lang="en-US" dirty="0" err="1"/>
+              <a:t>svn</a:t>
+            </a:r>
+            <a:r>
+              <a:rPr lang="en-US" dirty="0"/>
+              <a:t> fetch</a:t>
             </a:r>
             <a:endParaRPr lang="en-US" dirty="0" smtClean="0"/>
           </a:p>
           <a:p>
-            <a:pPr>
-              <a:lnSpc>
-                <a:spcPct val="170000"/>
-              </a:lnSpc>
-            </a:pPr>
             <a:r>
               <a:rPr lang="en-US" dirty="0" smtClean="0">
                 <a:hlinkClick r:id="rId2"/>
               </a:rPr>
-              <a:t>https</a:t>
+              <a:t>http</a:t>
             </a:r>
             <a:r>
               <a:rPr lang="en-US" dirty="0">
                 <a:hlinkClick r:id="rId2"/>
               </a:rPr>
-              <a:t>://</a:t>
+              <a:t>://www.lovelucy.info/codebase-from-svn-to-git-migration-keep-commit-</a:t>
             </a:r>
             <a:r>
               <a:rPr lang="en-US" dirty="0" smtClean="0">
                 <a:hlinkClick r:id="rId2"/>
               </a:rPr>
-              <a:t>118.194.63.8</a:t>
+              <a:t>history.html</a:t>
             </a:r>
             <a:r>
               <a:rPr lang="en-US" dirty="0" smtClean="0"/>
-              <a:t>   访问</a:t>
-            </a:r>
-            <a:r>
-              <a:rPr lang="en-US" dirty="0"/>
-              <a:t>忽略安全警告 继续访问</a:t>
-            </a:r>
-          </a:p>
-          <a:p>
-            <a:pPr>
-              <a:lnSpc>
-                <a:spcPct val="170000"/>
-              </a:lnSpc>
-            </a:pPr>
-            <a:r>
-              <a:rPr lang="en-US" dirty="0" err="1"/>
-              <a:t>git客户端配置：下载git</a:t>
-            </a:r>
-            <a:r>
-              <a:rPr lang="en-US" dirty="0"/>
               <a:t> </a:t>
             </a:r>
-            <a:r>
-              <a:rPr lang="en-US" dirty="0" err="1"/>
-              <a:t>bash软件或者其他git</a:t>
-            </a:r>
-            <a:r>
-              <a:rPr lang="en-US" dirty="0"/>
-              <a:t> 软件</a:t>
-            </a:r>
-          </a:p>
-          <a:p>
-            <a:pPr>
-              <a:lnSpc>
-                <a:spcPct val="170000"/>
-              </a:lnSpc>
-            </a:pPr>
-            <a:r>
-              <a:rPr lang="en-US" dirty="0"/>
-              <a:t>按照网站新建项目后出现的页面中 显示命令 </a:t>
-            </a:r>
-            <a:r>
-              <a:rPr lang="en-US" dirty="0" err="1"/>
-              <a:t>在git客户端一步一步操作</a:t>
-            </a:r>
-            <a:r>
-              <a:rPr lang="en-US" dirty="0"/>
-              <a:t> 提示设置完用户名和密码后 </a:t>
+          </a:p>
+          <a:p>
+            <a:r>
+              <a:rPr lang="en-US" dirty="0">
+                <a:hlinkClick r:id="rId3"/>
+              </a:rPr>
+              <a:t>http://blog.csdn.net/cctt_1/article/details/</a:t>
+            </a:r>
+            <a:r>
+              <a:rPr lang="en-US" dirty="0" smtClean="0">
+                <a:hlinkClick r:id="rId3"/>
+              </a:rPr>
+              <a:t>41317419</a:t>
             </a:r>
             <a:r>
               <a:rPr lang="en-US" dirty="0" smtClean="0"/>
-              <a:t>设置</a:t>
-            </a:r>
-            <a:endParaRPr lang="en-US" dirty="0"/>
-          </a:p>
-          <a:p>
-            <a:pPr>
-              <a:lnSpc>
-                <a:spcPct val="170000"/>
-              </a:lnSpc>
-            </a:pPr>
-            <a:r>
-              <a:rPr lang="en-US" dirty="0" err="1">
-                <a:solidFill>
-                  <a:srgbClr val="FFFF00"/>
-                </a:solidFill>
-              </a:rPr>
-              <a:t>git</a:t>
-            </a:r>
-            <a:r>
-              <a:rPr lang="en-US" dirty="0">
-                <a:solidFill>
-                  <a:srgbClr val="FFFF00"/>
-                </a:solidFill>
-              </a:rPr>
               <a:t> </a:t>
             </a:r>
-            <a:r>
-              <a:rPr lang="en-US" dirty="0" err="1">
-                <a:solidFill>
-                  <a:srgbClr val="FFFF00"/>
-                </a:solidFill>
-              </a:rPr>
-              <a:t>config</a:t>
-            </a:r>
-            <a:r>
-              <a:rPr lang="en-US" dirty="0">
-                <a:solidFill>
-                  <a:srgbClr val="FFFF00"/>
-                </a:solidFill>
-              </a:rPr>
-              <a:t> --global </a:t>
-            </a:r>
-            <a:r>
-              <a:rPr lang="en-US" dirty="0" err="1">
-                <a:solidFill>
-                  <a:srgbClr val="FFFF00"/>
-                </a:solidFill>
-              </a:rPr>
-              <a:t>http.sslVerify</a:t>
-            </a:r>
-            <a:r>
-              <a:rPr lang="en-US" dirty="0">
-                <a:solidFill>
-                  <a:srgbClr val="FFFF00"/>
-                </a:solidFill>
-              </a:rPr>
-              <a:t> </a:t>
-            </a:r>
-            <a:r>
-              <a:rPr lang="en-US" dirty="0" smtClean="0">
-                <a:solidFill>
-                  <a:srgbClr val="FFFF00"/>
-                </a:solidFill>
-              </a:rPr>
-              <a:t>false</a:t>
-            </a:r>
-            <a:endParaRPr lang="en-US" dirty="0">
-              <a:solidFill>
-                <a:srgbClr val="FFFF00"/>
-              </a:solidFill>
-            </a:endParaRPr>
-          </a:p>
-          <a:p>
-            <a:pPr>
-              <a:lnSpc>
-                <a:spcPct val="170000"/>
-              </a:lnSpc>
-            </a:pPr>
-            <a:r>
-              <a:rPr lang="en-US" dirty="0" err="1"/>
-              <a:t>最后提示中的确认为git</a:t>
-            </a:r>
-            <a:r>
-              <a:rPr lang="en-US" dirty="0"/>
-              <a:t> remote add origin https://118.194.63.8 </a:t>
-            </a:r>
-          </a:p>
-          <a:p>
-            <a:pPr>
-              <a:lnSpc>
-                <a:spcPct val="170000"/>
-              </a:lnSpc>
-            </a:pPr>
-            <a:r>
-              <a:rPr lang="en-US" dirty="0" err="1"/>
-              <a:t>最后push</a:t>
-            </a:r>
-            <a:r>
-              <a:rPr lang="en-US" dirty="0"/>
-              <a:t> </a:t>
-            </a:r>
-            <a:r>
-              <a:rPr lang="en-US" dirty="0" err="1"/>
-              <a:t>或者</a:t>
-            </a:r>
-            <a:r>
-              <a:rPr lang="en-US" dirty="0" err="1" smtClean="0"/>
-              <a:t>pull</a:t>
-            </a:r>
-            <a:endParaRPr lang="en-US" dirty="0" smtClean="0"/>
-          </a:p>
-          <a:p>
-            <a:pPr>
-              <a:lnSpc>
-                <a:spcPct val="170000"/>
-              </a:lnSpc>
-            </a:pPr>
-            <a:r>
-              <a:rPr lang="en-US" dirty="0"/>
-              <a:t>http://</a:t>
-            </a:r>
-            <a:r>
-              <a:rPr lang="en-US" dirty="0" err="1"/>
-              <a:t>www.cnblogs.com</a:t>
-            </a:r>
-            <a:r>
-              <a:rPr lang="en-US" dirty="0"/>
-              <a:t>/ghj1976/p/4724826.html</a:t>
-            </a:r>
-          </a:p>
-          <a:p>
-            <a:pPr>
-              <a:lnSpc>
-                <a:spcPct val="170000"/>
-              </a:lnSpc>
-            </a:pPr>
+          </a:p>
+          <a:p>
             <a:endParaRPr lang="en-US" dirty="0"/>
           </a:p>
         </p:txBody>
@@ -6008,20 +6184,13 @@
     </p:spTree>
     <p:extLst>
       <p:ext uri="{BB962C8B-B14F-4D97-AF65-F5344CB8AC3E}">
-        <p14:creationId xmlns:p14="http://schemas.microsoft.com/office/powerpoint/2010/main" val="992515377"/>
+        <p14:creationId xmlns:p14="http://schemas.microsoft.com/office/powerpoint/2010/main" val="3687579704"/>
       </p:ext>
     </p:extLst>
   </p:cSld>
   <p:clrMapOvr>
     <a:masterClrMapping/>
   </p:clrMapOvr>
-  <p:timing>
-    <p:tnLst>
-      <p:par>
-        <p:cTn xmlns:p14="http://schemas.microsoft.com/office/powerpoint/2010/main" id="1" dur="indefinite" restart="never" nodeType="tmRoot"/>
-      </p:par>
-    </p:tnLst>
-  </p:timing>
 </p:sld>
 </file>
 
@@ -6044,7 +6213,7 @@
       </p:grpSpPr>
       <p:sp>
         <p:nvSpPr>
-          <p:cNvPr id="2" name="Title 1"/>
+          <p:cNvPr id="2" name="标题 1"/>
           <p:cNvSpPr>
             <a:spLocks noGrp="1"/>
           </p:cNvSpPr>
@@ -6059,19 +6228,15 @@
           <a:p>
             <a:r>
               <a:rPr lang="en-US" altLang="zh-CN" dirty="0" smtClean="0"/>
-              <a:t>SVN  -&gt; </a:t>
-            </a:r>
-            <a:r>
-              <a:rPr lang="en-US" altLang="zh-CN" dirty="0" err="1" smtClean="0"/>
-              <a:t>Git</a:t>
-            </a:r>
-            <a:endParaRPr lang="en-US" dirty="0"/>
-          </a:p>
-        </p:txBody>
-      </p:sp>
-      <p:sp>
-        <p:nvSpPr>
-          <p:cNvPr id="3" name="Content Placeholder 2"/>
+              <a:t>FAQ</a:t>
+            </a:r>
+            <a:endParaRPr lang="zh-CN" altLang="en-US" dirty="0"/>
+          </a:p>
+        </p:txBody>
+      </p:sp>
+      <p:sp>
+        <p:nvSpPr>
+          <p:cNvPr id="3" name="内容占位符 2"/>
           <p:cNvSpPr>
             <a:spLocks noGrp="1"/>
           </p:cNvSpPr>
@@ -6084,88 +6249,81 @@
           <a:bodyPr/>
           <a:lstStyle/>
           <a:p>
-            <a:r>
-              <a:rPr lang="en-US" dirty="0"/>
-              <a:t>git svn clone --stdlayout --no-metadata -A users.txt svn://hostname/path dest_dir-tmp</a:t>
-            </a:r>
-          </a:p>
-          <a:p>
-            <a:r>
-              <a:rPr lang="en-US" dirty="0" err="1"/>
-              <a:t>git</a:t>
-            </a:r>
-            <a:r>
-              <a:rPr lang="en-US" dirty="0"/>
-              <a:t> </a:t>
-            </a:r>
-            <a:r>
-              <a:rPr lang="en-US" dirty="0" err="1"/>
-              <a:t>svn</a:t>
-            </a:r>
-            <a:r>
-              <a:rPr lang="en-US" dirty="0"/>
-              <a:t> fetch</a:t>
-            </a:r>
-            <a:endParaRPr lang="en-US" dirty="0" smtClean="0"/>
-          </a:p>
-          <a:p>
-            <a:r>
-              <a:rPr lang="en-US" dirty="0" smtClean="0">
-                <a:hlinkClick r:id="rId2"/>
-              </a:rPr>
-              <a:t>http</a:t>
-            </a:r>
-            <a:r>
-              <a:rPr lang="en-US" dirty="0">
-                <a:hlinkClick r:id="rId2"/>
-              </a:rPr>
-              <a:t>://www.lovelucy.info/codebase-from-svn-to-git-migration-keep-commit-</a:t>
-            </a:r>
-            <a:r>
-              <a:rPr lang="en-US" dirty="0" smtClean="0">
-                <a:hlinkClick r:id="rId2"/>
-              </a:rPr>
-              <a:t>history.html</a:t>
-            </a:r>
-            <a:r>
-              <a:rPr lang="en-US" dirty="0" smtClean="0"/>
-              <a:t> </a:t>
-            </a:r>
-          </a:p>
-          <a:p>
-            <a:r>
-              <a:rPr lang="en-US" dirty="0">
-                <a:hlinkClick r:id="rId3"/>
-              </a:rPr>
-              <a:t>http://blog.csdn.net/cctt_1/article/details/</a:t>
-            </a:r>
-            <a:r>
-              <a:rPr lang="en-US" dirty="0" smtClean="0">
-                <a:hlinkClick r:id="rId3"/>
-              </a:rPr>
-              <a:t>41317419</a:t>
-            </a:r>
-            <a:r>
-              <a:rPr lang="en-US" dirty="0" smtClean="0"/>
-              <a:t> </a:t>
-            </a:r>
-            <a:endParaRPr lang="en-US" dirty="0" smtClean="0"/>
-          </a:p>
-          <a:p>
-            <a:endParaRPr lang="en-US" dirty="0"/>
-          </a:p>
-        </p:txBody>
-      </p:sp>
+            <a:endParaRPr lang="zh-CN" altLang="en-US" dirty="0"/>
+          </a:p>
+        </p:txBody>
+      </p:sp>
+      <p:pic>
+        <p:nvPicPr>
+          <p:cNvPr id="1026" name="Picture 2"/>
+          <p:cNvPicPr>
+            <a:picLocks noChangeAspect="1" noChangeArrowheads="1"/>
+          </p:cNvPicPr>
+          <p:nvPr/>
+        </p:nvPicPr>
+        <p:blipFill>
+          <a:blip r:embed="rId2">
+            <a:extLst>
+              <a:ext uri="{28A0092B-C50C-407E-A947-70E740481C1C}">
+                <a14:useLocalDpi xmlns:a14="http://schemas.microsoft.com/office/drawing/2010/main" val="0"/>
+              </a:ext>
+            </a:extLst>
+          </a:blip>
+          <a:srcRect/>
+          <a:stretch>
+            <a:fillRect/>
+          </a:stretch>
+        </p:blipFill>
+        <p:spPr bwMode="auto">
+          <a:xfrm>
+            <a:off x="828674" y="1665060"/>
+            <a:ext cx="3095253" cy="4276647"/>
+          </a:xfrm>
+          <a:prstGeom prst="rect">
+            <a:avLst/>
+          </a:prstGeom>
+          <a:noFill/>
+          <a:ln>
+            <a:noFill/>
+          </a:ln>
+          <a:extLst>
+            <a:ext uri="{909E8E84-426E-40dd-AFC4-6F175D3DCCD1}">
+              <a14:hiddenFill xmlns:a14="http://schemas.microsoft.com/office/drawing/2010/main" xmlns="">
+                <a:solidFill>
+                  <a:schemeClr val="accent1"/>
+                </a:solidFill>
+              </a14:hiddenFill>
+            </a:ext>
+            <a:ext uri="{91240B29-F687-4f45-9708-019B960494DF}">
+              <a14:hiddenLine xmlns:a14="http://schemas.microsoft.com/office/drawing/2010/main" xmlns="" w="9525">
+                <a:solidFill>
+                  <a:schemeClr val="tx1"/>
+                </a:solidFill>
+                <a:miter lim="800000"/>
+                <a:headEnd/>
+                <a:tailEnd/>
+              </a14:hiddenLine>
+            </a:ext>
+          </a:extLst>
+        </p:spPr>
+      </p:pic>
     </p:spTree>
     <p:extLst>
       <p:ext uri="{BB962C8B-B14F-4D97-AF65-F5344CB8AC3E}">
-        <p14:creationId xmlns:p14="http://schemas.microsoft.com/office/powerpoint/2010/main" val="3687579704"/>
+        <p14:creationId xmlns:p14="http://schemas.microsoft.com/office/powerpoint/2010/main" val="3110430368"/>
       </p:ext>
     </p:extLst>
   </p:cSld>
   <p:clrMapOvr>
     <a:masterClrMapping/>
   </p:clrMapOvr>
+  <p:timing>
+    <p:tnLst>
+      <p:par>
+        <p:cTn id="1" dur="indefinite" restart="never" nodeType="tmRoot"/>
+      </p:par>
+    </p:tnLst>
+  </p:timing>
 </p:sld>
 </file>
 

--- a/git/git简介.pptx
+++ b/git/git简介.pptx
@@ -5,7 +5,7 @@
     <p:sldMasterId id="2147483660" r:id="rId1"/>
   </p:sldMasterIdLst>
   <p:notesMasterIdLst>
-    <p:notesMasterId r:id="rId11"/>
+    <p:notesMasterId r:id="rId12"/>
   </p:notesMasterIdLst>
   <p:sldIdLst>
     <p:sldId id="256" r:id="rId2"/>
@@ -14,9 +14,10 @@
     <p:sldId id="261" r:id="rId5"/>
     <p:sldId id="265" r:id="rId6"/>
     <p:sldId id="262" r:id="rId7"/>
-    <p:sldId id="263" r:id="rId8"/>
-    <p:sldId id="264" r:id="rId9"/>
-    <p:sldId id="258" r:id="rId10"/>
+    <p:sldId id="266" r:id="rId8"/>
+    <p:sldId id="263" r:id="rId9"/>
+    <p:sldId id="264" r:id="rId10"/>
+    <p:sldId id="258" r:id="rId11"/>
   </p:sldIdLst>
   <p:sldSz cx="9144000" cy="6858000" type="screen4x3"/>
   <p:notesSz cx="6858000" cy="9144000"/>
@@ -216,7 +217,7 @@
           <a:p>
             <a:fld id="{B14474D4-5585-EB48-A3BA-F41E43399F25}" type="datetimeFigureOut">
               <a:rPr lang="en-US" smtClean="0"/>
-              <a:t>10/8/15</a:t>
+              <a:t>12/9/15</a:t>
             </a:fld>
             <a:endParaRPr lang="en-US"/>
           </a:p>
@@ -1082,7 +1083,7 @@
           <a:p>
             <a:fld id="{D79DE430-3741-5E45-B736-8682A183D57A}" type="datetimeFigureOut">
               <a:rPr lang="en-US" smtClean="0"/>
-              <a:t>10/8/15</a:t>
+              <a:t>12/9/15</a:t>
             </a:fld>
             <a:endParaRPr lang="en-US"/>
           </a:p>
@@ -1276,7 +1277,7 @@
           <a:p>
             <a:fld id="{D79DE430-3741-5E45-B736-8682A183D57A}" type="datetimeFigureOut">
               <a:rPr lang="en-US" smtClean="0"/>
-              <a:t>10/8/15</a:t>
+              <a:t>12/9/15</a:t>
             </a:fld>
             <a:endParaRPr lang="en-US"/>
           </a:p>
@@ -1464,7 +1465,7 @@
           <a:p>
             <a:fld id="{D79DE430-3741-5E45-B736-8682A183D57A}" type="datetimeFigureOut">
               <a:rPr lang="en-US" smtClean="0"/>
-              <a:t>10/8/15</a:t>
+              <a:t>12/9/15</a:t>
             </a:fld>
             <a:endParaRPr lang="en-US"/>
           </a:p>
@@ -1693,7 +1694,7 @@
           <a:p>
             <a:fld id="{D79DE430-3741-5E45-B736-8682A183D57A}" type="datetimeFigureOut">
               <a:rPr lang="en-US" smtClean="0"/>
-              <a:t>10/8/15</a:t>
+              <a:t>12/9/15</a:t>
             </a:fld>
             <a:endParaRPr lang="en-US"/>
           </a:p>
@@ -1974,7 +1975,7 @@
           <a:p>
             <a:fld id="{D79DE430-3741-5E45-B736-8682A183D57A}" type="datetimeFigureOut">
               <a:rPr lang="en-US" smtClean="0"/>
-              <a:t>10/8/15</a:t>
+              <a:t>12/9/15</a:t>
             </a:fld>
             <a:endParaRPr lang="en-US"/>
           </a:p>
@@ -2262,7 +2263,7 @@
           <a:p>
             <a:fld id="{D79DE430-3741-5E45-B736-8682A183D57A}" type="datetimeFigureOut">
               <a:rPr lang="en-US" smtClean="0"/>
-              <a:t>10/8/15</a:t>
+              <a:t>12/9/15</a:t>
             </a:fld>
             <a:endParaRPr lang="en-US"/>
           </a:p>
@@ -2816,7 +2817,7 @@
           <a:p>
             <a:fld id="{D79DE430-3741-5E45-B736-8682A183D57A}" type="datetimeFigureOut">
               <a:rPr lang="en-US" smtClean="0"/>
-              <a:t>10/8/15</a:t>
+              <a:t>12/9/15</a:t>
             </a:fld>
             <a:endParaRPr lang="en-US"/>
           </a:p>
@@ -2947,7 +2948,7 @@
           <a:p>
             <a:fld id="{D79DE430-3741-5E45-B736-8682A183D57A}" type="datetimeFigureOut">
               <a:rPr lang="en-US" smtClean="0"/>
-              <a:t>10/8/15</a:t>
+              <a:t>12/9/15</a:t>
             </a:fld>
             <a:endParaRPr lang="en-US"/>
           </a:p>
@@ -3097,7 +3098,7 @@
           <a:p>
             <a:fld id="{D79DE430-3741-5E45-B736-8682A183D57A}" type="datetimeFigureOut">
               <a:rPr lang="en-US" smtClean="0"/>
-              <a:t>10/8/15</a:t>
+              <a:t>12/9/15</a:t>
             </a:fld>
             <a:endParaRPr lang="en-US"/>
           </a:p>
@@ -3418,7 +3419,7 @@
           <a:p>
             <a:fld id="{D79DE430-3741-5E45-B736-8682A183D57A}" type="datetimeFigureOut">
               <a:rPr lang="en-US" smtClean="0"/>
-              <a:t>10/8/15</a:t>
+              <a:t>12/9/15</a:t>
             </a:fld>
             <a:endParaRPr lang="en-US"/>
           </a:p>
@@ -3715,7 +3716,7 @@
           <a:p>
             <a:fld id="{D79DE430-3741-5E45-B736-8682A183D57A}" type="datetimeFigureOut">
               <a:rPr lang="en-US" smtClean="0"/>
-              <a:t>10/8/15</a:t>
+              <a:t>12/9/15</a:t>
             </a:fld>
             <a:endParaRPr lang="en-US"/>
           </a:p>
@@ -3960,7 +3961,7 @@
           <a:p>
             <a:fld id="{D79DE430-3741-5E45-B736-8682A183D57A}" type="datetimeFigureOut">
               <a:rPr lang="en-US" smtClean="0"/>
-              <a:t>10/8/15</a:t>
+              <a:t>12/9/15</a:t>
             </a:fld>
             <a:endParaRPr lang="en-US"/>
           </a:p>
@@ -4541,6 +4542,139 @@
 </p:sld>
 </file>
 
+<file path=ppt/slides/slide10.xml><?xml version="1.0" encoding="utf-8"?>
+<p:sld xmlns:a="http://schemas.openxmlformats.org/drawingml/2006/main" xmlns:r="http://schemas.openxmlformats.org/officeDocument/2006/relationships" xmlns:p="http://schemas.openxmlformats.org/presentationml/2006/main">
+  <p:cSld>
+    <p:spTree>
+      <p:nvGrpSpPr>
+        <p:cNvPr id="1" name=""/>
+        <p:cNvGrpSpPr/>
+        <p:nvPr/>
+      </p:nvGrpSpPr>
+      <p:grpSpPr>
+        <a:xfrm>
+          <a:off x="0" y="0"/>
+          <a:ext cx="0" cy="0"/>
+          <a:chOff x="0" y="0"/>
+          <a:chExt cx="0" cy="0"/>
+        </a:xfrm>
+      </p:grpSpPr>
+      <p:sp>
+        <p:nvSpPr>
+          <p:cNvPr id="2" name="标题 1"/>
+          <p:cNvSpPr>
+            <a:spLocks noGrp="1"/>
+          </p:cNvSpPr>
+          <p:nvPr>
+            <p:ph type="title"/>
+          </p:nvPr>
+        </p:nvSpPr>
+        <p:spPr/>
+        <p:txBody>
+          <a:bodyPr/>
+          <a:lstStyle/>
+          <a:p>
+            <a:r>
+              <a:rPr lang="en-US" altLang="zh-CN" dirty="0" smtClean="0"/>
+              <a:t>FAQ</a:t>
+            </a:r>
+            <a:endParaRPr lang="zh-CN" altLang="en-US" dirty="0"/>
+          </a:p>
+        </p:txBody>
+      </p:sp>
+      <p:sp>
+        <p:nvSpPr>
+          <p:cNvPr id="3" name="内容占位符 2"/>
+          <p:cNvSpPr>
+            <a:spLocks noGrp="1"/>
+          </p:cNvSpPr>
+          <p:nvPr>
+            <p:ph idx="1"/>
+          </p:nvPr>
+        </p:nvSpPr>
+        <p:spPr/>
+        <p:txBody>
+          <a:bodyPr/>
+          <a:lstStyle/>
+          <a:p>
+            <a:endParaRPr lang="zh-CN" altLang="en-US" dirty="0"/>
+          </a:p>
+        </p:txBody>
+      </p:sp>
+      <p:pic>
+        <p:nvPicPr>
+          <p:cNvPr id="1026" name="Picture 2"/>
+          <p:cNvPicPr>
+            <a:picLocks noChangeAspect="1" noChangeArrowheads="1"/>
+          </p:cNvPicPr>
+          <p:nvPr/>
+        </p:nvPicPr>
+        <p:blipFill>
+          <a:blip r:embed="rId2">
+            <a:extLst>
+              <a:ext uri="{28A0092B-C50C-407E-A947-70E740481C1C}">
+                <a14:useLocalDpi xmlns:a14="http://schemas.microsoft.com/office/drawing/2010/main" val="0"/>
+              </a:ext>
+            </a:extLst>
+          </a:blip>
+          <a:srcRect/>
+          <a:stretch>
+            <a:fillRect/>
+          </a:stretch>
+        </p:blipFill>
+        <p:spPr bwMode="auto">
+          <a:xfrm>
+            <a:off x="828674" y="1665060"/>
+            <a:ext cx="3095253" cy="4276647"/>
+          </a:xfrm>
+          <a:prstGeom prst="rect">
+            <a:avLst/>
+          </a:prstGeom>
+          <a:noFill/>
+          <a:ln>
+            <a:noFill/>
+          </a:ln>
+          <a:extLst>
+            <a:ext uri="{909E8E84-426E-40dd-AFC4-6F175D3DCCD1}">
+              <a14:hiddenFill xmlns="" xmlns:a14="http://schemas.microsoft.com/office/drawing/2010/main">
+                <a:solidFill>
+                  <a:schemeClr val="accent1"/>
+                </a:solidFill>
+              </a14:hiddenFill>
+            </a:ext>
+            <a:ext uri="{91240B29-F687-4f45-9708-019B960494DF}">
+              <a14:hiddenLine xmlns="" xmlns:a14="http://schemas.microsoft.com/office/drawing/2010/main" w="9525">
+                <a:solidFill>
+                  <a:schemeClr val="tx1"/>
+                </a:solidFill>
+                <a:miter lim="800000"/>
+                <a:headEnd/>
+                <a:tailEnd/>
+              </a14:hiddenLine>
+            </a:ext>
+          </a:extLst>
+        </p:spPr>
+      </p:pic>
+    </p:spTree>
+    <p:extLst>
+      <p:ext uri="{BB962C8B-B14F-4D97-AF65-F5344CB8AC3E}">
+        <p14:creationId xmlns:p14="http://schemas.microsoft.com/office/powerpoint/2010/main" val="3110430368"/>
+      </p:ext>
+    </p:extLst>
+  </p:cSld>
+  <p:clrMapOvr>
+    <a:masterClrMapping/>
+  </p:clrMapOvr>
+  <p:timing>
+    <p:tnLst>
+      <p:par>
+        <p:cTn id="1" dur="indefinite" restart="never" nodeType="tmRoot"/>
+      </p:par>
+    </p:tnLst>
+  </p:timing>
+</p:sld>
+</file>
+
 <file path=ppt/slides/slide2.xml><?xml version="1.0" encoding="utf-8"?>
 <p:sld xmlns:a="http://schemas.openxmlformats.org/drawingml/2006/main" xmlns:r="http://schemas.openxmlformats.org/officeDocument/2006/relationships" xmlns:p="http://schemas.openxmlformats.org/presentationml/2006/main">
   <p:cSld>
@@ -5742,6 +5876,89 @@
       </p:grpSpPr>
       <p:sp>
         <p:nvSpPr>
+          <p:cNvPr id="2" name="标题 1"/>
+          <p:cNvSpPr>
+            <a:spLocks noGrp="1"/>
+          </p:cNvSpPr>
+          <p:nvPr>
+            <p:ph type="title"/>
+          </p:nvPr>
+        </p:nvSpPr>
+        <p:spPr/>
+        <p:txBody>
+          <a:bodyPr/>
+          <a:lstStyle/>
+          <a:p>
+            <a:r>
+              <a:rPr kumimoji="1" lang="en-US" altLang="zh-CN" dirty="0" err="1" smtClean="0"/>
+              <a:t>Git</a:t>
+            </a:r>
+            <a:r>
+              <a:rPr kumimoji="1" lang="zh-CN" altLang="en-US" dirty="0" smtClean="0"/>
+              <a:t>常用命令 </a:t>
+            </a:r>
+            <a:endParaRPr kumimoji="1" lang="zh-CN" altLang="en-US" dirty="0"/>
+          </a:p>
+        </p:txBody>
+      </p:sp>
+      <p:pic>
+        <p:nvPicPr>
+          <p:cNvPr id="4" name="内容占位符 3"/>
+          <p:cNvPicPr>
+            <a:picLocks noGrp="1" noChangeAspect="1"/>
+          </p:cNvPicPr>
+          <p:nvPr>
+            <p:ph idx="1"/>
+          </p:nvPr>
+        </p:nvPicPr>
+        <p:blipFill>
+          <a:blip r:embed="rId2"/>
+          <a:stretch>
+            <a:fillRect/>
+          </a:stretch>
+        </p:blipFill>
+        <p:spPr>
+          <a:xfrm>
+            <a:off x="1183186" y="1646238"/>
+            <a:ext cx="6777628" cy="4525962"/>
+          </a:xfrm>
+          <a:prstGeom prst="rect">
+            <a:avLst/>
+          </a:prstGeom>
+        </p:spPr>
+      </p:pic>
+    </p:spTree>
+    <p:extLst>
+      <p:ext uri="{BB962C8B-B14F-4D97-AF65-F5344CB8AC3E}">
+        <p14:creationId xmlns:p14="http://schemas.microsoft.com/office/powerpoint/2010/main" val="1452746019"/>
+      </p:ext>
+    </p:extLst>
+  </p:cSld>
+  <p:clrMapOvr>
+    <a:masterClrMapping/>
+  </p:clrMapOvr>
+</p:sld>
+</file>
+
+<file path=ppt/slides/slide8.xml><?xml version="1.0" encoding="utf-8"?>
+<p:sld xmlns:a="http://schemas.openxmlformats.org/drawingml/2006/main" xmlns:r="http://schemas.openxmlformats.org/officeDocument/2006/relationships" xmlns:p="http://schemas.openxmlformats.org/presentationml/2006/main">
+  <p:cSld>
+    <p:spTree>
+      <p:nvGrpSpPr>
+        <p:cNvPr id="1" name=""/>
+        <p:cNvGrpSpPr/>
+        <p:nvPr/>
+      </p:nvGrpSpPr>
+      <p:grpSpPr>
+        <a:xfrm>
+          <a:off x="0" y="0"/>
+          <a:ext cx="0" cy="0"/>
+          <a:chOff x="0" y="0"/>
+          <a:chExt cx="0" cy="0"/>
+        </a:xfrm>
+      </p:grpSpPr>
+      <p:sp>
+        <p:nvSpPr>
           <p:cNvPr id="2" name="Title 1"/>
           <p:cNvSpPr>
             <a:spLocks noGrp="1"/>
@@ -6051,149 +6268,6 @@
 </p:sld>
 </file>
 
-<file path=ppt/slides/slide8.xml><?xml version="1.0" encoding="utf-8"?>
-<p:sld xmlns:a="http://schemas.openxmlformats.org/drawingml/2006/main" xmlns:r="http://schemas.openxmlformats.org/officeDocument/2006/relationships" xmlns:p="http://schemas.openxmlformats.org/presentationml/2006/main">
-  <p:cSld>
-    <p:spTree>
-      <p:nvGrpSpPr>
-        <p:cNvPr id="1" name=""/>
-        <p:cNvGrpSpPr/>
-        <p:nvPr/>
-      </p:nvGrpSpPr>
-      <p:grpSpPr>
-        <a:xfrm>
-          <a:off x="0" y="0"/>
-          <a:ext cx="0" cy="0"/>
-          <a:chOff x="0" y="0"/>
-          <a:chExt cx="0" cy="0"/>
-        </a:xfrm>
-      </p:grpSpPr>
-      <p:sp>
-        <p:nvSpPr>
-          <p:cNvPr id="2" name="Title 1"/>
-          <p:cNvSpPr>
-            <a:spLocks noGrp="1"/>
-          </p:cNvSpPr>
-          <p:nvPr>
-            <p:ph type="title"/>
-          </p:nvPr>
-        </p:nvSpPr>
-        <p:spPr/>
-        <p:txBody>
-          <a:bodyPr/>
-          <a:lstStyle/>
-          <a:p>
-            <a:r>
-              <a:rPr lang="en-US" altLang="zh-CN" dirty="0" smtClean="0"/>
-              <a:t>SVN  -&gt; </a:t>
-            </a:r>
-            <a:r>
-              <a:rPr lang="en-US" altLang="zh-CN" dirty="0" err="1" smtClean="0"/>
-              <a:t>Git</a:t>
-            </a:r>
-            <a:endParaRPr lang="en-US" dirty="0"/>
-          </a:p>
-        </p:txBody>
-      </p:sp>
-      <p:sp>
-        <p:nvSpPr>
-          <p:cNvPr id="3" name="Content Placeholder 2"/>
-          <p:cNvSpPr>
-            <a:spLocks noGrp="1"/>
-          </p:cNvSpPr>
-          <p:nvPr>
-            <p:ph idx="1"/>
-          </p:nvPr>
-        </p:nvSpPr>
-        <p:spPr/>
-        <p:txBody>
-          <a:bodyPr/>
-          <a:lstStyle/>
-          <a:p>
-            <a:r>
-              <a:rPr lang="en-US" dirty="0"/>
-              <a:t>git svn clone --stdlayout --no-metadata -A users.txt svn://hostname/path dest_dir-tmp</a:t>
-            </a:r>
-          </a:p>
-          <a:p>
-            <a:r>
-              <a:rPr lang="en-US" dirty="0" err="1"/>
-              <a:t>git</a:t>
-            </a:r>
-            <a:r>
-              <a:rPr lang="en-US" dirty="0"/>
-              <a:t> </a:t>
-            </a:r>
-            <a:r>
-              <a:rPr lang="en-US" dirty="0" err="1"/>
-              <a:t>svn</a:t>
-            </a:r>
-            <a:r>
-              <a:rPr lang="en-US" dirty="0"/>
-              <a:t> fetch</a:t>
-            </a:r>
-            <a:endParaRPr lang="en-US" dirty="0" smtClean="0"/>
-          </a:p>
-          <a:p>
-            <a:r>
-              <a:rPr lang="en-US" dirty="0" smtClean="0">
-                <a:hlinkClick r:id="rId2"/>
-              </a:rPr>
-              <a:t>http</a:t>
-            </a:r>
-            <a:r>
-              <a:rPr lang="en-US" dirty="0">
-                <a:hlinkClick r:id="rId2"/>
-              </a:rPr>
-              <a:t>://www.lovelucy.info/codebase-from-svn-to-git-migration-keep-commit-</a:t>
-            </a:r>
-            <a:r>
-              <a:rPr lang="en-US" dirty="0" smtClean="0">
-                <a:hlinkClick r:id="rId2"/>
-              </a:rPr>
-              <a:t>history.html</a:t>
-            </a:r>
-            <a:r>
-              <a:rPr lang="en-US" dirty="0" smtClean="0"/>
-              <a:t> </a:t>
-            </a:r>
-          </a:p>
-          <a:p>
-            <a:r>
-              <a:rPr lang="en-US" dirty="0">
-                <a:hlinkClick r:id="rId3"/>
-              </a:rPr>
-              <a:t>http://blog.csdn.net/cctt_1/article/details/</a:t>
-            </a:r>
-            <a:r>
-              <a:rPr lang="en-US" dirty="0" smtClean="0">
-                <a:hlinkClick r:id="rId3"/>
-              </a:rPr>
-              <a:t>41317419</a:t>
-            </a:r>
-            <a:r>
-              <a:rPr lang="en-US" dirty="0" smtClean="0"/>
-              <a:t> </a:t>
-            </a:r>
-          </a:p>
-          <a:p>
-            <a:endParaRPr lang="en-US" dirty="0"/>
-          </a:p>
-        </p:txBody>
-      </p:sp>
-    </p:spTree>
-    <p:extLst>
-      <p:ext uri="{BB962C8B-B14F-4D97-AF65-F5344CB8AC3E}">
-        <p14:creationId xmlns:p14="http://schemas.microsoft.com/office/powerpoint/2010/main" val="3687579704"/>
-      </p:ext>
-    </p:extLst>
-  </p:cSld>
-  <p:clrMapOvr>
-    <a:masterClrMapping/>
-  </p:clrMapOvr>
-</p:sld>
-</file>
-
 <file path=ppt/slides/slide9.xml><?xml version="1.0" encoding="utf-8"?>
 <p:sld xmlns:a="http://schemas.openxmlformats.org/drawingml/2006/main" xmlns:r="http://schemas.openxmlformats.org/officeDocument/2006/relationships" xmlns:p="http://schemas.openxmlformats.org/presentationml/2006/main">
   <p:cSld>
@@ -6213,7 +6287,7 @@
       </p:grpSpPr>
       <p:sp>
         <p:nvSpPr>
-          <p:cNvPr id="2" name="标题 1"/>
+          <p:cNvPr id="2" name="Title 1"/>
           <p:cNvSpPr>
             <a:spLocks noGrp="1"/>
           </p:cNvSpPr>
@@ -6228,15 +6302,19 @@
           <a:p>
             <a:r>
               <a:rPr lang="en-US" altLang="zh-CN" dirty="0" smtClean="0"/>
-              <a:t>FAQ</a:t>
-            </a:r>
-            <a:endParaRPr lang="zh-CN" altLang="en-US" dirty="0"/>
-          </a:p>
-        </p:txBody>
-      </p:sp>
-      <p:sp>
-        <p:nvSpPr>
-          <p:cNvPr id="3" name="内容占位符 2"/>
+              <a:t>SVN  -&gt; </a:t>
+            </a:r>
+            <a:r>
+              <a:rPr lang="en-US" altLang="zh-CN" dirty="0" err="1" smtClean="0"/>
+              <a:t>Git</a:t>
+            </a:r>
+            <a:endParaRPr lang="en-US" dirty="0"/>
+          </a:p>
+        </p:txBody>
+      </p:sp>
+      <p:sp>
+        <p:nvSpPr>
+          <p:cNvPr id="3" name="Content Placeholder 2"/>
           <p:cNvSpPr>
             <a:spLocks noGrp="1"/>
           </p:cNvSpPr>
@@ -6249,81 +6327,87 @@
           <a:bodyPr/>
           <a:lstStyle/>
           <a:p>
-            <a:endParaRPr lang="zh-CN" altLang="en-US" dirty="0"/>
-          </a:p>
-        </p:txBody>
-      </p:sp>
-      <p:pic>
-        <p:nvPicPr>
-          <p:cNvPr id="1026" name="Picture 2"/>
-          <p:cNvPicPr>
-            <a:picLocks noChangeAspect="1" noChangeArrowheads="1"/>
-          </p:cNvPicPr>
-          <p:nvPr/>
-        </p:nvPicPr>
-        <p:blipFill>
-          <a:blip r:embed="rId2">
-            <a:extLst>
-              <a:ext uri="{28A0092B-C50C-407E-A947-70E740481C1C}">
-                <a14:useLocalDpi xmlns:a14="http://schemas.microsoft.com/office/drawing/2010/main" val="0"/>
-              </a:ext>
-            </a:extLst>
-          </a:blip>
-          <a:srcRect/>
-          <a:stretch>
-            <a:fillRect/>
-          </a:stretch>
-        </p:blipFill>
-        <p:spPr bwMode="auto">
-          <a:xfrm>
-            <a:off x="828674" y="1665060"/>
-            <a:ext cx="3095253" cy="4276647"/>
-          </a:xfrm>
-          <a:prstGeom prst="rect">
-            <a:avLst/>
-          </a:prstGeom>
-          <a:noFill/>
-          <a:ln>
-            <a:noFill/>
-          </a:ln>
-          <a:extLst>
-            <a:ext uri="{909E8E84-426E-40dd-AFC4-6F175D3DCCD1}">
-              <a14:hiddenFill xmlns:a14="http://schemas.microsoft.com/office/drawing/2010/main" xmlns="">
-                <a:solidFill>
-                  <a:schemeClr val="accent1"/>
-                </a:solidFill>
-              </a14:hiddenFill>
-            </a:ext>
-            <a:ext uri="{91240B29-F687-4f45-9708-019B960494DF}">
-              <a14:hiddenLine xmlns:a14="http://schemas.microsoft.com/office/drawing/2010/main" xmlns="" w="9525">
-                <a:solidFill>
-                  <a:schemeClr val="tx1"/>
-                </a:solidFill>
-                <a:miter lim="800000"/>
-                <a:headEnd/>
-                <a:tailEnd/>
-              </a14:hiddenLine>
-            </a:ext>
-          </a:extLst>
-        </p:spPr>
-      </p:pic>
+            <a:r>
+              <a:rPr lang="en-US" dirty="0"/>
+              <a:t>git svn clone --stdlayout --no-metadata -A users.txt svn://hostname/path dest_dir-tmp</a:t>
+            </a:r>
+          </a:p>
+          <a:p>
+            <a:r>
+              <a:rPr lang="en-US" dirty="0" err="1"/>
+              <a:t>git</a:t>
+            </a:r>
+            <a:r>
+              <a:rPr lang="en-US" dirty="0"/>
+              <a:t> </a:t>
+            </a:r>
+            <a:r>
+              <a:rPr lang="en-US" dirty="0" err="1"/>
+              <a:t>svn</a:t>
+            </a:r>
+            <a:r>
+              <a:rPr lang="en-US" dirty="0"/>
+              <a:t> fetch</a:t>
+            </a:r>
+            <a:endParaRPr lang="en-US" dirty="0" smtClean="0"/>
+          </a:p>
+          <a:p>
+            <a:r>
+              <a:rPr lang="en-US" dirty="0" smtClean="0">
+                <a:hlinkClick r:id="rId2"/>
+              </a:rPr>
+              <a:t>http</a:t>
+            </a:r>
+            <a:r>
+              <a:rPr lang="en-US" dirty="0">
+                <a:hlinkClick r:id="rId2"/>
+              </a:rPr>
+              <a:t>://www.lovelucy.info/codebase-from-svn-to-git-migration-keep-commit-</a:t>
+            </a:r>
+            <a:r>
+              <a:rPr lang="en-US" dirty="0" smtClean="0">
+                <a:hlinkClick r:id="rId2"/>
+              </a:rPr>
+              <a:t>history.html</a:t>
+            </a:r>
+            <a:r>
+              <a:rPr lang="en-US" dirty="0" smtClean="0"/>
+              <a:t> </a:t>
+            </a:r>
+          </a:p>
+          <a:p>
+            <a:r>
+              <a:rPr lang="en-US" dirty="0">
+                <a:hlinkClick r:id="rId3"/>
+              </a:rPr>
+              <a:t>http://blog.csdn.net/cctt_1/article/details/</a:t>
+            </a:r>
+            <a:r>
+              <a:rPr lang="en-US" dirty="0" smtClean="0">
+                <a:hlinkClick r:id="rId3"/>
+              </a:rPr>
+              <a:t>41317419</a:t>
+            </a:r>
+            <a:r>
+              <a:rPr lang="en-US" dirty="0" smtClean="0"/>
+              <a:t> </a:t>
+            </a:r>
+          </a:p>
+          <a:p>
+            <a:endParaRPr lang="en-US" dirty="0"/>
+          </a:p>
+        </p:txBody>
+      </p:sp>
     </p:spTree>
     <p:extLst>
       <p:ext uri="{BB962C8B-B14F-4D97-AF65-F5344CB8AC3E}">
-        <p14:creationId xmlns:p14="http://schemas.microsoft.com/office/powerpoint/2010/main" val="3110430368"/>
+        <p14:creationId xmlns:p14="http://schemas.microsoft.com/office/powerpoint/2010/main" val="3687579704"/>
       </p:ext>
     </p:extLst>
   </p:cSld>
   <p:clrMapOvr>
     <a:masterClrMapping/>
   </p:clrMapOvr>
-  <p:timing>
-    <p:tnLst>
-      <p:par>
-        <p:cTn id="1" dur="indefinite" restart="never" nodeType="tmRoot"/>
-      </p:par>
-    </p:tnLst>
-  </p:timing>
 </p:sld>
 </file>
 
